--- a/GCP solution.pptx
+++ b/GCP solution.pptx
@@ -282,7 +282,7 @@
           <a:p>
             <a:fld id="{1041DC11-8664-421A-BA04-F8B6E2AF0C8B}" type="datetimeFigureOut">
               <a:rPr lang="en-IN" smtClean="0"/>
-              <a:t>30-01-2021</a:t>
+              <a:t>07-02-2021</a:t>
             </a:fld>
             <a:endParaRPr lang="en-IN"/>
           </a:p>
@@ -482,7 +482,7 @@
           <a:p>
             <a:fld id="{1041DC11-8664-421A-BA04-F8B6E2AF0C8B}" type="datetimeFigureOut">
               <a:rPr lang="en-IN" smtClean="0"/>
-              <a:t>30-01-2021</a:t>
+              <a:t>07-02-2021</a:t>
             </a:fld>
             <a:endParaRPr lang="en-IN"/>
           </a:p>
@@ -692,7 +692,7 @@
           <a:p>
             <a:fld id="{1041DC11-8664-421A-BA04-F8B6E2AF0C8B}" type="datetimeFigureOut">
               <a:rPr lang="en-IN" smtClean="0"/>
-              <a:t>30-01-2021</a:t>
+              <a:t>07-02-2021</a:t>
             </a:fld>
             <a:endParaRPr lang="en-IN"/>
           </a:p>
@@ -892,7 +892,7 @@
           <a:p>
             <a:fld id="{1041DC11-8664-421A-BA04-F8B6E2AF0C8B}" type="datetimeFigureOut">
               <a:rPr lang="en-IN" smtClean="0"/>
-              <a:t>30-01-2021</a:t>
+              <a:t>07-02-2021</a:t>
             </a:fld>
             <a:endParaRPr lang="en-IN"/>
           </a:p>
@@ -1168,7 +1168,7 @@
           <a:p>
             <a:fld id="{1041DC11-8664-421A-BA04-F8B6E2AF0C8B}" type="datetimeFigureOut">
               <a:rPr lang="en-IN" smtClean="0"/>
-              <a:t>30-01-2021</a:t>
+              <a:t>07-02-2021</a:t>
             </a:fld>
             <a:endParaRPr lang="en-IN"/>
           </a:p>
@@ -1436,7 +1436,7 @@
           <a:p>
             <a:fld id="{1041DC11-8664-421A-BA04-F8B6E2AF0C8B}" type="datetimeFigureOut">
               <a:rPr lang="en-IN" smtClean="0"/>
-              <a:t>30-01-2021</a:t>
+              <a:t>07-02-2021</a:t>
             </a:fld>
             <a:endParaRPr lang="en-IN"/>
           </a:p>
@@ -1851,7 +1851,7 @@
           <a:p>
             <a:fld id="{1041DC11-8664-421A-BA04-F8B6E2AF0C8B}" type="datetimeFigureOut">
               <a:rPr lang="en-IN" smtClean="0"/>
-              <a:t>30-01-2021</a:t>
+              <a:t>07-02-2021</a:t>
             </a:fld>
             <a:endParaRPr lang="en-IN"/>
           </a:p>
@@ -1993,7 +1993,7 @@
           <a:p>
             <a:fld id="{1041DC11-8664-421A-BA04-F8B6E2AF0C8B}" type="datetimeFigureOut">
               <a:rPr lang="en-IN" smtClean="0"/>
-              <a:t>30-01-2021</a:t>
+              <a:t>07-02-2021</a:t>
             </a:fld>
             <a:endParaRPr lang="en-IN"/>
           </a:p>
@@ -2106,7 +2106,7 @@
           <a:p>
             <a:fld id="{1041DC11-8664-421A-BA04-F8B6E2AF0C8B}" type="datetimeFigureOut">
               <a:rPr lang="en-IN" smtClean="0"/>
-              <a:t>30-01-2021</a:t>
+              <a:t>07-02-2021</a:t>
             </a:fld>
             <a:endParaRPr lang="en-IN"/>
           </a:p>
@@ -2419,7 +2419,7 @@
           <a:p>
             <a:fld id="{1041DC11-8664-421A-BA04-F8B6E2AF0C8B}" type="datetimeFigureOut">
               <a:rPr lang="en-IN" smtClean="0"/>
-              <a:t>30-01-2021</a:t>
+              <a:t>07-02-2021</a:t>
             </a:fld>
             <a:endParaRPr lang="en-IN"/>
           </a:p>
@@ -2708,7 +2708,7 @@
           <a:p>
             <a:fld id="{1041DC11-8664-421A-BA04-F8B6E2AF0C8B}" type="datetimeFigureOut">
               <a:rPr lang="en-IN" smtClean="0"/>
-              <a:t>30-01-2021</a:t>
+              <a:t>07-02-2021</a:t>
             </a:fld>
             <a:endParaRPr lang="en-IN"/>
           </a:p>
@@ -2951,7 +2951,7 @@
           <a:p>
             <a:fld id="{1041DC11-8664-421A-BA04-F8B6E2AF0C8B}" type="datetimeFigureOut">
               <a:rPr lang="en-IN" smtClean="0"/>
-              <a:t>30-01-2021</a:t>
+              <a:t>07-02-2021</a:t>
             </a:fld>
             <a:endParaRPr lang="en-IN"/>
           </a:p>
@@ -3396,7 +3396,7 @@
           <a:p>
             <a:r>
               <a:rPr lang="en-US" dirty="0"/>
-              <a:t>Team Dev A</a:t>
+              <a:t>Deva</a:t>
             </a:r>
             <a:endParaRPr lang="en-IN" dirty="0"/>
           </a:p>
